--- a/Files/SlideModifiers.pptx
+++ b/Files/SlideModifiers.pptx
@@ -3362,13 +3362,13 @@
           <p:nvPr>
             <p:extLst>
               <p:ext uri="{D42A27DB-BD31-4B8C-83A1-F6EECF244321}">
-                <p14:modId xmlns:p14="http://schemas.microsoft.com/office/powerpoint/2010/main" val="3335662090"/>
+                <p14:modId xmlns:p14="http://schemas.microsoft.com/office/powerpoint/2010/main" val="1002949746"/>
               </p:ext>
             </p:extLst>
           </p:nvPr>
         </p:nvGraphicFramePr>
         <p:xfrm>
-          <a:off x="3523624" y="365379"/>
+          <a:off x="2174448" y="365379"/>
           <a:ext cx="2392715" cy="523220"/>
         </p:xfrm>
         <a:graphic>
@@ -3510,13 +3510,13 @@
           <p:nvPr>
             <p:extLst>
               <p:ext uri="{D42A27DB-BD31-4B8C-83A1-F6EECF244321}">
-                <p14:modId xmlns:p14="http://schemas.microsoft.com/office/powerpoint/2010/main" val="4095940779"/>
+                <p14:modId xmlns:p14="http://schemas.microsoft.com/office/powerpoint/2010/main" val="2309230710"/>
               </p:ext>
             </p:extLst>
           </p:nvPr>
         </p:nvGraphicFramePr>
         <p:xfrm>
-          <a:off x="7896759" y="370439"/>
+          <a:off x="6547583" y="370439"/>
           <a:ext cx="1914036" cy="518160"/>
         </p:xfrm>
         <a:graphic>
@@ -3637,13 +3637,13 @@
           <p:nvPr>
             <p:extLst>
               <p:ext uri="{D42A27DB-BD31-4B8C-83A1-F6EECF244321}">
-                <p14:modId xmlns:p14="http://schemas.microsoft.com/office/powerpoint/2010/main" val="2859055626"/>
+                <p14:modId xmlns:p14="http://schemas.microsoft.com/office/powerpoint/2010/main" val="2355490673"/>
               </p:ext>
             </p:extLst>
           </p:nvPr>
         </p:nvGraphicFramePr>
         <p:xfrm>
-          <a:off x="3529789" y="1612152"/>
+          <a:off x="2180613" y="1612152"/>
           <a:ext cx="1914172" cy="518160"/>
         </p:xfrm>
         <a:graphic>
@@ -3764,13 +3764,13 @@
           <p:nvPr>
             <p:extLst>
               <p:ext uri="{D42A27DB-BD31-4B8C-83A1-F6EECF244321}">
-                <p14:modId xmlns:p14="http://schemas.microsoft.com/office/powerpoint/2010/main" val="2157928481"/>
+                <p14:modId xmlns:p14="http://schemas.microsoft.com/office/powerpoint/2010/main" val="1021265363"/>
               </p:ext>
             </p:extLst>
           </p:nvPr>
         </p:nvGraphicFramePr>
         <p:xfrm>
-          <a:off x="3523624" y="2874025"/>
+          <a:off x="2174448" y="2874025"/>
           <a:ext cx="2392715" cy="518160"/>
         </p:xfrm>
         <a:graphic>
@@ -3912,13 +3912,13 @@
           <p:nvPr>
             <p:extLst>
               <p:ext uri="{D42A27DB-BD31-4B8C-83A1-F6EECF244321}">
-                <p14:modId xmlns:p14="http://schemas.microsoft.com/office/powerpoint/2010/main" val="4201290707"/>
+                <p14:modId xmlns:p14="http://schemas.microsoft.com/office/powerpoint/2010/main" val="49611552"/>
               </p:ext>
             </p:extLst>
           </p:nvPr>
         </p:nvGraphicFramePr>
         <p:xfrm>
-          <a:off x="7883973" y="2878240"/>
+          <a:off x="6534797" y="2878240"/>
           <a:ext cx="478509" cy="518160"/>
         </p:xfrm>
         <a:graphic>
@@ -3976,13 +3976,13 @@
           <p:nvPr>
             <p:extLst>
               <p:ext uri="{D42A27DB-BD31-4B8C-83A1-F6EECF244321}">
-                <p14:modId xmlns:p14="http://schemas.microsoft.com/office/powerpoint/2010/main" val="923582537"/>
+                <p14:modId xmlns:p14="http://schemas.microsoft.com/office/powerpoint/2010/main" val="4113321511"/>
               </p:ext>
             </p:extLst>
           </p:nvPr>
         </p:nvGraphicFramePr>
         <p:xfrm>
-          <a:off x="7405430" y="1612152"/>
+          <a:off x="6056254" y="1612152"/>
           <a:ext cx="478543" cy="518160"/>
         </p:xfrm>
         <a:graphic>
@@ -4039,7 +4039,7 @@
         </p:nvSpPr>
         <p:spPr>
           <a:xfrm>
-            <a:off x="6163961" y="1617476"/>
+            <a:off x="4814785" y="1617476"/>
             <a:ext cx="522000" cy="518160"/>
           </a:xfrm>
           <a:prstGeom prst="rightArrow">
@@ -4086,7 +4086,7 @@
         <p:spPr>
           <a:xfrm>
             <a:off x="0" y="365379"/>
-            <a:ext cx="2803624" cy="523220"/>
+            <a:ext cx="1454448" cy="523220"/>
           </a:xfrm>
           <a:prstGeom prst="rect">
             <a:avLst/>
@@ -4103,9 +4103,10 @@
           <a:lstStyle/>
           <a:p>
             <a:r>
-              <a:rPr lang="en-CA" sz="2800" dirty="0"/>
-              <a:t>Concatenate</a:t>
-            </a:r>
+              <a:rPr lang="en-CA" sz="2800" dirty="0" err="1"/>
+              <a:t>concat</a:t>
+            </a:r>
+            <a:endParaRPr lang="en-CA" sz="2800" dirty="0"/>
           </a:p>
         </p:txBody>
       </p:sp>
@@ -4124,7 +4125,7 @@
         <p:spPr>
           <a:xfrm>
             <a:off x="0" y="1609622"/>
-            <a:ext cx="2803624" cy="523220"/>
+            <a:ext cx="1454448" cy="523220"/>
           </a:xfrm>
           <a:prstGeom prst="rect">
             <a:avLst/>
@@ -4142,7 +4143,7 @@
           <a:p>
             <a:r>
               <a:rPr lang="en-CA" sz="2800" dirty="0"/>
-              <a:t>Pop</a:t>
+              <a:t>pop</a:t>
             </a:r>
           </a:p>
         </p:txBody>
@@ -4162,7 +4163,7 @@
         <p:spPr>
           <a:xfrm>
             <a:off x="0" y="2870344"/>
-            <a:ext cx="2803624" cy="523220"/>
+            <a:ext cx="1454448" cy="523220"/>
           </a:xfrm>
           <a:prstGeom prst="rect">
             <a:avLst/>
@@ -4180,7 +4181,7 @@
           <a:p>
             <a:r>
               <a:rPr lang="en-CA" sz="2800" dirty="0"/>
-              <a:t>Push</a:t>
+              <a:t>push</a:t>
             </a:r>
           </a:p>
         </p:txBody>
@@ -4200,7 +4201,7 @@
         <p:spPr>
           <a:xfrm>
             <a:off x="0" y="4117502"/>
-            <a:ext cx="2803624" cy="523220"/>
+            <a:ext cx="1454448" cy="523220"/>
           </a:xfrm>
           <a:prstGeom prst="rect">
             <a:avLst/>
@@ -4218,7 +4219,7 @@
           <a:p>
             <a:r>
               <a:rPr lang="en-CA" sz="2800" dirty="0"/>
-              <a:t>Shift</a:t>
+              <a:t>shift</a:t>
             </a:r>
           </a:p>
         </p:txBody>
@@ -4237,7 +4238,7 @@
         </p:nvSpPr>
         <p:spPr>
           <a:xfrm>
-            <a:off x="2803624" y="266989"/>
+            <a:off x="1454448" y="266989"/>
             <a:ext cx="720000" cy="720000"/>
           </a:xfrm>
           <a:prstGeom prst="rect">
@@ -4287,7 +4288,7 @@
         </p:nvSpPr>
         <p:spPr>
           <a:xfrm>
-            <a:off x="5916339" y="266989"/>
+            <a:off x="4567163" y="266989"/>
             <a:ext cx="720000" cy="720000"/>
           </a:xfrm>
           <a:prstGeom prst="rect">
@@ -4387,7 +4388,7 @@
         </p:nvSpPr>
         <p:spPr>
           <a:xfrm>
-            <a:off x="2803624" y="1535581"/>
+            <a:off x="1454448" y="1535581"/>
             <a:ext cx="720000" cy="720000"/>
           </a:xfrm>
           <a:prstGeom prst="rect">
@@ -4437,7 +4438,7 @@
         </p:nvSpPr>
         <p:spPr>
           <a:xfrm>
-            <a:off x="5443961" y="1535581"/>
+            <a:off x="4094785" y="1535581"/>
             <a:ext cx="720000" cy="720000"/>
           </a:xfrm>
           <a:prstGeom prst="rect">
@@ -4487,7 +4488,7 @@
         </p:nvSpPr>
         <p:spPr>
           <a:xfrm>
-            <a:off x="6685430" y="1535581"/>
+            <a:off x="5336254" y="1535581"/>
             <a:ext cx="720000" cy="720000"/>
           </a:xfrm>
           <a:prstGeom prst="rect">
@@ -4537,7 +4538,7 @@
         </p:nvSpPr>
         <p:spPr>
           <a:xfrm>
-            <a:off x="7176759" y="266989"/>
+            <a:off x="5827583" y="266989"/>
             <a:ext cx="720000" cy="720000"/>
           </a:xfrm>
           <a:prstGeom prst="rect">
@@ -4637,7 +4638,7 @@
         </p:nvSpPr>
         <p:spPr>
           <a:xfrm>
-            <a:off x="2803624" y="2771954"/>
+            <a:off x="1454448" y="2771954"/>
             <a:ext cx="720000" cy="720000"/>
           </a:xfrm>
           <a:prstGeom prst="rect">
@@ -4687,7 +4688,7 @@
         </p:nvSpPr>
         <p:spPr>
           <a:xfrm>
-            <a:off x="5920944" y="2766123"/>
+            <a:off x="4571768" y="2766123"/>
             <a:ext cx="720000" cy="720000"/>
           </a:xfrm>
           <a:prstGeom prst="rect">
@@ -4737,7 +4738,7 @@
         </p:nvSpPr>
         <p:spPr>
           <a:xfrm>
-            <a:off x="7168420" y="2766123"/>
+            <a:off x="5819244" y="2766123"/>
             <a:ext cx="720000" cy="720000"/>
           </a:xfrm>
           <a:prstGeom prst="rect">
@@ -4787,7 +4788,7 @@
         </p:nvSpPr>
         <p:spPr>
           <a:xfrm rot="10800000">
-            <a:off x="6645549" y="2874025"/>
+            <a:off x="5296373" y="2874025"/>
             <a:ext cx="522000" cy="518160"/>
           </a:xfrm>
           <a:prstGeom prst="rightArrow">
@@ -4883,7 +4884,7 @@
         </p:nvSpPr>
         <p:spPr>
           <a:xfrm>
-            <a:off x="2803624" y="4017348"/>
+            <a:off x="1454448" y="4017348"/>
             <a:ext cx="720000" cy="720000"/>
           </a:xfrm>
           <a:prstGeom prst="rect">
@@ -4934,13 +4935,13 @@
           <p:nvPr>
             <p:extLst>
               <p:ext uri="{D42A27DB-BD31-4B8C-83A1-F6EECF244321}">
-                <p14:modId xmlns:p14="http://schemas.microsoft.com/office/powerpoint/2010/main" val="2510120634"/>
+                <p14:modId xmlns:p14="http://schemas.microsoft.com/office/powerpoint/2010/main" val="2862324863"/>
               </p:ext>
             </p:extLst>
           </p:nvPr>
         </p:nvGraphicFramePr>
         <p:xfrm>
-          <a:off x="3523624" y="4131370"/>
+          <a:off x="2174448" y="4131370"/>
           <a:ext cx="478509" cy="518160"/>
         </p:xfrm>
         <a:graphic>
@@ -4997,7 +4998,7 @@
         </p:nvSpPr>
         <p:spPr>
           <a:xfrm>
-            <a:off x="4004436" y="4019253"/>
+            <a:off x="2655260" y="4019253"/>
             <a:ext cx="720000" cy="720000"/>
           </a:xfrm>
           <a:prstGeom prst="rect">
@@ -5047,7 +5048,7 @@
         </p:nvSpPr>
         <p:spPr>
           <a:xfrm>
-            <a:off x="5251912" y="4019253"/>
+            <a:off x="3902736" y="4019253"/>
             <a:ext cx="720000" cy="720000"/>
           </a:xfrm>
           <a:prstGeom prst="rect">
@@ -5097,7 +5098,7 @@
         </p:nvSpPr>
         <p:spPr>
           <a:xfrm rot="10800000">
-            <a:off x="4729041" y="4127155"/>
+            <a:off x="3379865" y="4127155"/>
             <a:ext cx="522000" cy="518160"/>
           </a:xfrm>
           <a:prstGeom prst="rightArrow">
@@ -5144,13 +5145,13 @@
           <p:nvPr>
             <p:extLst>
               <p:ext uri="{D42A27DB-BD31-4B8C-83A1-F6EECF244321}">
-                <p14:modId xmlns:p14="http://schemas.microsoft.com/office/powerpoint/2010/main" val="3101476064"/>
+                <p14:modId xmlns:p14="http://schemas.microsoft.com/office/powerpoint/2010/main" val="1648678049"/>
               </p:ext>
             </p:extLst>
           </p:nvPr>
         </p:nvGraphicFramePr>
         <p:xfrm>
-          <a:off x="5971912" y="4127155"/>
+          <a:off x="4622736" y="4127155"/>
           <a:ext cx="1914172" cy="518160"/>
         </p:xfrm>
         <a:graphic>
@@ -5271,7 +5272,7 @@
         <p:spPr>
           <a:xfrm>
             <a:off x="0" y="5366039"/>
-            <a:ext cx="2803624" cy="523220"/>
+            <a:ext cx="1454448" cy="523220"/>
           </a:xfrm>
           <a:prstGeom prst="rect">
             <a:avLst/>
@@ -5289,7 +5290,7 @@
           <a:p>
             <a:r>
               <a:rPr lang="en-CA" sz="2800" dirty="0"/>
-              <a:t>Unshift</a:t>
+              <a:t>unshift</a:t>
             </a:r>
           </a:p>
         </p:txBody>
@@ -5358,7 +5359,7 @@
         </p:nvSpPr>
         <p:spPr>
           <a:xfrm>
-            <a:off x="2803624" y="5265885"/>
+            <a:off x="1454448" y="5265885"/>
             <a:ext cx="720000" cy="720000"/>
           </a:xfrm>
           <a:prstGeom prst="rect">
@@ -5409,13 +5410,13 @@
           <p:nvPr>
             <p:extLst>
               <p:ext uri="{D42A27DB-BD31-4B8C-83A1-F6EECF244321}">
-                <p14:modId xmlns:p14="http://schemas.microsoft.com/office/powerpoint/2010/main" val="3195929678"/>
+                <p14:modId xmlns:p14="http://schemas.microsoft.com/office/powerpoint/2010/main" val="1573428960"/>
               </p:ext>
             </p:extLst>
           </p:nvPr>
         </p:nvGraphicFramePr>
         <p:xfrm>
-          <a:off x="3523624" y="5379907"/>
+          <a:off x="2174448" y="5379907"/>
           <a:ext cx="478509" cy="518160"/>
         </p:xfrm>
         <a:graphic>
@@ -5472,7 +5473,7 @@
         </p:nvSpPr>
         <p:spPr>
           <a:xfrm>
-            <a:off x="4004436" y="5267790"/>
+            <a:off x="2655260" y="5267790"/>
             <a:ext cx="720000" cy="720000"/>
           </a:xfrm>
           <a:prstGeom prst="rect">
@@ -5522,7 +5523,7 @@
         </p:nvSpPr>
         <p:spPr>
           <a:xfrm>
-            <a:off x="5251912" y="5267790"/>
+            <a:off x="3902736" y="5267790"/>
             <a:ext cx="720000" cy="720000"/>
           </a:xfrm>
           <a:prstGeom prst="rect">
@@ -5572,7 +5573,7 @@
         </p:nvSpPr>
         <p:spPr>
           <a:xfrm>
-            <a:off x="4729041" y="5375692"/>
+            <a:off x="3379865" y="5375692"/>
             <a:ext cx="522000" cy="518160"/>
           </a:xfrm>
           <a:prstGeom prst="rightArrow">
@@ -5619,13 +5620,13 @@
           <p:nvPr>
             <p:extLst>
               <p:ext uri="{D42A27DB-BD31-4B8C-83A1-F6EECF244321}">
-                <p14:modId xmlns:p14="http://schemas.microsoft.com/office/powerpoint/2010/main" val="1582245400"/>
+                <p14:modId xmlns:p14="http://schemas.microsoft.com/office/powerpoint/2010/main" val="3408106112"/>
               </p:ext>
             </p:extLst>
           </p:nvPr>
         </p:nvGraphicFramePr>
         <p:xfrm>
-          <a:off x="5971912" y="5373162"/>
+          <a:off x="4622736" y="5373162"/>
           <a:ext cx="2392715" cy="523220"/>
         </p:xfrm>
         <a:graphic>
@@ -5766,7 +5767,7 @@
         </p:nvSpPr>
         <p:spPr>
           <a:xfrm rot="10800000">
-            <a:off x="6645549" y="365379"/>
+            <a:off x="5296373" y="365379"/>
             <a:ext cx="522000" cy="518160"/>
           </a:xfrm>
           <a:prstGeom prst="rightArrow">
@@ -5814,7 +5815,7 @@
         </p:nvCxnSpPr>
         <p:spPr>
           <a:xfrm>
-            <a:off x="-1909148" y="1248599"/>
+            <a:off x="-3258324" y="1248599"/>
             <a:ext cx="16146217" cy="0"/>
           </a:xfrm>
           <a:prstGeom prst="line">
@@ -5861,7 +5862,7 @@
         </p:nvCxnSpPr>
         <p:spPr>
           <a:xfrm>
-            <a:off x="-1909148" y="2500179"/>
+            <a:off x="-3258324" y="2500179"/>
             <a:ext cx="16146217" cy="0"/>
           </a:xfrm>
           <a:prstGeom prst="line">
@@ -5908,7 +5909,7 @@
         </p:nvCxnSpPr>
         <p:spPr>
           <a:xfrm>
-            <a:off x="-1909148" y="3752185"/>
+            <a:off x="-3258324" y="3752185"/>
             <a:ext cx="16146217" cy="0"/>
           </a:xfrm>
           <a:prstGeom prst="line">
@@ -5955,7 +5956,7 @@
         </p:nvCxnSpPr>
         <p:spPr>
           <a:xfrm>
-            <a:off x="-1909148" y="5000722"/>
+            <a:off x="-3258324" y="5000722"/>
             <a:ext cx="16146217" cy="0"/>
           </a:xfrm>
           <a:prstGeom prst="line">
@@ -6002,7 +6003,7 @@
         </p:nvCxnSpPr>
         <p:spPr>
           <a:xfrm>
-            <a:off x="-1909148" y="6259294"/>
+            <a:off x="-3258324" y="6259294"/>
             <a:ext cx="16146217" cy="0"/>
           </a:xfrm>
           <a:prstGeom prst="line">
